--- a/AES,RC4,RSA.pptx
+++ b/AES,RC4,RSA.pptx
@@ -11740,7 +11740,7 @@
             </a:pPr>
             <a:r>
               <a:rPr lang="ro-RO" dirty="0"/>
-              <a:t>Generam două numere prime p și q</a:t>
+              <a:t>Generăm două numere prime p și q</a:t>
             </a:r>
           </a:p>
           <a:p>
@@ -11750,7 +11750,7 @@
             </a:pPr>
             <a:r>
               <a:rPr lang="ro-RO" dirty="0"/>
-              <a:t>Cheia publica este formată din n și e, unde n=p*q</a:t>
+              <a:t>Cheia publică este formată din n și e, unde n=p*q</a:t>
             </a:r>
           </a:p>
           <a:p>
@@ -12652,15 +12652,6 @@
 </file>
 
 <file path=customXml/item2.xml><?xml version="1.0" encoding="utf-8"?>
-<?mso-contentType ?>
-<FormTemplates xmlns="http://schemas.microsoft.com/sharepoint/v3/contenttype/forms">
-  <Display>DocumentLibraryForm</Display>
-  <Edit>DocumentLibraryForm</Edit>
-  <New>DocumentLibraryForm</New>
-</FormTemplates>
-</file>
-
-<file path=customXml/item3.xml><?xml version="1.0" encoding="utf-8"?>
 <ct:contentTypeSchema xmlns:ct="http://schemas.microsoft.com/office/2006/metadata/contentType" xmlns:ma="http://schemas.microsoft.com/office/2006/metadata/properties/metaAttributes" ct:_="" ma:_="" ma:contentTypeName="Document" ma:contentTypeID="0x01010079F111ED35F8CC479449609E8A0923A6" ma:contentTypeVersion="12" ma:contentTypeDescription="Create a new document." ma:contentTypeScope="" ma:versionID="426e97fa315356fffbdcd9876fe988c2">
   <xsd:schema xmlns:xsd="http://www.w3.org/2001/XMLSchema" xmlns:xs="http://www.w3.org/2001/XMLSchema" xmlns:p="http://schemas.microsoft.com/office/2006/metadata/properties" xmlns:ns2="71af3243-3dd4-4a8d-8c0d-dd76da1f02a5" xmlns:ns3="16c05727-aa75-4e4a-9b5f-8a80a1165891" targetNamespace="http://schemas.microsoft.com/office/2006/metadata/properties" ma:root="true" ma:fieldsID="14b8f0def80e6d70ce3def20c90759ae" ns2:_="" ns3:_="">
     <xsd:import namespace="71af3243-3dd4-4a8d-8c0d-dd76da1f02a5"/>
@@ -12881,6 +12872,15 @@
 </ct:contentTypeSchema>
 </file>
 
+<file path=customXml/item3.xml><?xml version="1.0" encoding="utf-8"?>
+<?mso-contentType ?>
+<FormTemplates xmlns="http://schemas.microsoft.com/sharepoint/v3/contenttype/forms">
+  <Display>DocumentLibraryForm</Display>
+  <Edit>DocumentLibraryForm</Edit>
+  <New>DocumentLibraryForm</New>
+</FormTemplates>
+</file>
+
 <file path=customXml/itemProps1.xml><?xml version="1.0" encoding="utf-8"?>
 <ds:datastoreItem xmlns:ds="http://schemas.openxmlformats.org/officeDocument/2006/customXml" ds:itemID="{99919F73-B6C2-4A43-95E2-833EC48925FE}">
   <ds:schemaRefs>
@@ -12892,14 +12892,6 @@
 </file>
 
 <file path=customXml/itemProps2.xml><?xml version="1.0" encoding="utf-8"?>
-<ds:datastoreItem xmlns:ds="http://schemas.openxmlformats.org/officeDocument/2006/customXml" ds:itemID="{3C8E00D1-8EA3-4E42-801D-0253E1EAFC21}">
-  <ds:schemaRefs>
-    <ds:schemaRef ds:uri="http://schemas.microsoft.com/sharepoint/v3/contenttype/forms"/>
-  </ds:schemaRefs>
-</ds:datastoreItem>
-</file>
-
-<file path=customXml/itemProps3.xml><?xml version="1.0" encoding="utf-8"?>
 <ds:datastoreItem xmlns:ds="http://schemas.openxmlformats.org/officeDocument/2006/customXml" ds:itemID="{ABC329F5-30EE-4BF7-AA2A-B837B51416B4}">
   <ds:schemaRefs>
     <ds:schemaRef ds:uri="http://schemas.microsoft.com/office/2006/metadata/contentType"/>
@@ -12916,4 +12908,12 @@
     <ds:schemaRef ds:uri="http://schemas.microsoft.com/internal/obd"/>
   </ds:schemaRefs>
 </ds:datastoreItem>
+</file>
+
+<file path=customXml/itemProps3.xml><?xml version="1.0" encoding="utf-8"?>
+<ds:datastoreItem xmlns:ds="http://schemas.openxmlformats.org/officeDocument/2006/customXml" ds:itemID="{3C8E00D1-8EA3-4E42-801D-0253E1EAFC21}">
+  <ds:schemaRefs>
+    <ds:schemaRef ds:uri="http://schemas.microsoft.com/sharepoint/v3/contenttype/forms"/>
+  </ds:schemaRefs>
+</ds:datastoreItem>
 </file>